--- a/Design for Pages.pptx
+++ b/Design for Pages.pptx
@@ -12,9 +12,9 @@
     <p:sldId id="260" r:id="rId3"/>
     <p:sldId id="261" r:id="rId4"/>
     <p:sldId id="262" r:id="rId5"/>
-    <p:sldId id="264" r:id="rId6"/>
+    <p:sldId id="265" r:id="rId6"/>
     <p:sldId id="263" r:id="rId7"/>
-    <p:sldId id="265" r:id="rId8"/>
+    <p:sldId id="264" r:id="rId8"/>
   </p:sldIdLst>
   <p:sldSz cx="9144000" cy="6858000" type="screen4x3"/>
   <p:notesSz cx="6858000" cy="9144000"/>
@@ -199,7 +199,7 @@
             <a:fld id="{2BB6D6E3-AC80-4AE5-BBA4-654680F44C36}" type="datetimeFigureOut">
               <a:rPr lang="en-US" smtClean="0"/>
               <a:pPr/>
-              <a:t>10/17/13</a:t>
+              <a:t>10/31/13</a:t>
             </a:fld>
             <a:endParaRPr lang="en-US"/>
           </a:p>
@@ -650,7 +650,7 @@
             <a:fld id="{1B1AF782-36DE-4016-BA23-27B643A6C4A1}" type="datetimeFigureOut">
               <a:rPr lang="en-US" smtClean="0"/>
               <a:pPr/>
-              <a:t>10/17/13</a:t>
+              <a:t>10/31/13</a:t>
             </a:fld>
             <a:endParaRPr lang="en-US"/>
           </a:p>
@@ -822,7 +822,7 @@
             <a:fld id="{1B1AF782-36DE-4016-BA23-27B643A6C4A1}" type="datetimeFigureOut">
               <a:rPr lang="en-US" smtClean="0"/>
               <a:pPr/>
-              <a:t>10/17/13</a:t>
+              <a:t>10/31/13</a:t>
             </a:fld>
             <a:endParaRPr lang="en-US"/>
           </a:p>
@@ -1004,7 +1004,7 @@
             <a:fld id="{1B1AF782-36DE-4016-BA23-27B643A6C4A1}" type="datetimeFigureOut">
               <a:rPr lang="en-US" smtClean="0"/>
               <a:pPr/>
-              <a:t>10/17/13</a:t>
+              <a:t>10/31/13</a:t>
             </a:fld>
             <a:endParaRPr lang="en-US"/>
           </a:p>
@@ -1176,7 +1176,7 @@
             <a:fld id="{1B1AF782-36DE-4016-BA23-27B643A6C4A1}" type="datetimeFigureOut">
               <a:rPr lang="en-US" smtClean="0"/>
               <a:pPr/>
-              <a:t>10/17/13</a:t>
+              <a:t>10/31/13</a:t>
             </a:fld>
             <a:endParaRPr lang="en-US"/>
           </a:p>
@@ -1424,7 +1424,7 @@
             <a:fld id="{1B1AF782-36DE-4016-BA23-27B643A6C4A1}" type="datetimeFigureOut">
               <a:rPr lang="en-US" smtClean="0"/>
               <a:pPr/>
-              <a:t>10/17/13</a:t>
+              <a:t>10/31/13</a:t>
             </a:fld>
             <a:endParaRPr lang="en-US"/>
           </a:p>
@@ -1714,7 +1714,7 @@
             <a:fld id="{1B1AF782-36DE-4016-BA23-27B643A6C4A1}" type="datetimeFigureOut">
               <a:rPr lang="en-US" smtClean="0"/>
               <a:pPr/>
-              <a:t>10/17/13</a:t>
+              <a:t>10/31/13</a:t>
             </a:fld>
             <a:endParaRPr lang="en-US"/>
           </a:p>
@@ -2138,7 +2138,7 @@
             <a:fld id="{1B1AF782-36DE-4016-BA23-27B643A6C4A1}" type="datetimeFigureOut">
               <a:rPr lang="en-US" smtClean="0"/>
               <a:pPr/>
-              <a:t>10/17/13</a:t>
+              <a:t>10/31/13</a:t>
             </a:fld>
             <a:endParaRPr lang="en-US"/>
           </a:p>
@@ -2258,7 +2258,7 @@
             <a:fld id="{1B1AF782-36DE-4016-BA23-27B643A6C4A1}" type="datetimeFigureOut">
               <a:rPr lang="en-US" smtClean="0"/>
               <a:pPr/>
-              <a:t>10/17/13</a:t>
+              <a:t>10/31/13</a:t>
             </a:fld>
             <a:endParaRPr lang="en-US"/>
           </a:p>
@@ -2355,7 +2355,7 @@
             <a:fld id="{1B1AF782-36DE-4016-BA23-27B643A6C4A1}" type="datetimeFigureOut">
               <a:rPr lang="en-US" smtClean="0"/>
               <a:pPr/>
-              <a:t>10/17/13</a:t>
+              <a:t>10/31/13</a:t>
             </a:fld>
             <a:endParaRPr lang="en-US"/>
           </a:p>
@@ -2634,7 +2634,7 @@
             <a:fld id="{1B1AF782-36DE-4016-BA23-27B643A6C4A1}" type="datetimeFigureOut">
               <a:rPr lang="en-US" smtClean="0"/>
               <a:pPr/>
-              <a:t>10/17/13</a:t>
+              <a:t>10/31/13</a:t>
             </a:fld>
             <a:endParaRPr lang="en-US"/>
           </a:p>
@@ -2889,7 +2889,7 @@
             <a:fld id="{1B1AF782-36DE-4016-BA23-27B643A6C4A1}" type="datetimeFigureOut">
               <a:rPr lang="en-US" smtClean="0"/>
               <a:pPr/>
-              <a:t>10/17/13</a:t>
+              <a:t>10/31/13</a:t>
             </a:fld>
             <a:endParaRPr lang="en-US"/>
           </a:p>
@@ -3113,7 +3113,7 @@
             <a:fld id="{1B1AF782-36DE-4016-BA23-27B643A6C4A1}" type="datetimeFigureOut">
               <a:rPr lang="en-US" smtClean="0"/>
               <a:pPr/>
-              <a:t>10/17/13</a:t>
+              <a:t>10/31/13</a:t>
             </a:fld>
             <a:endParaRPr lang="en-US"/>
           </a:p>
@@ -3693,7 +3693,7 @@
         <p:spPr>
           <a:xfrm>
             <a:off x="2971800" y="304800"/>
-            <a:ext cx="3230572" cy="369332"/>
+            <a:ext cx="3236784" cy="369332"/>
           </a:xfrm>
           <a:prstGeom prst="rect">
             <a:avLst/>
@@ -3716,7 +3716,19 @@
                 <a:latin typeface="Arial Rounded MT Bold"/>
                 <a:cs typeface="Arial Rounded MT Bold"/>
               </a:rPr>
-              <a:t>Wi-Fi Connection – Page 1A</a:t>
+              <a:t>Wi-Fi Connection – Page </a:t>
+            </a:r>
+            <a:r>
+              <a:rPr lang="en-US" dirty="0" smtClean="0">
+                <a:solidFill>
+                  <a:schemeClr val="bg1">
+                    <a:lumMod val="75000"/>
+                  </a:schemeClr>
+                </a:solidFill>
+                <a:latin typeface="Arial Rounded MT Bold"/>
+                <a:cs typeface="Arial Rounded MT Bold"/>
+              </a:rPr>
+              <a:t>2A</a:t>
             </a:r>
             <a:endParaRPr lang="en-US" dirty="0">
               <a:solidFill>
@@ -3965,7 +3977,19 @@
                 <a:latin typeface="Arial Rounded MT Bold"/>
                 <a:cs typeface="Arial Rounded MT Bold"/>
               </a:rPr>
-              <a:t>Bluetooth Connection – Page 1B</a:t>
+              <a:t>Bluetooth Connection – Page </a:t>
+            </a:r>
+            <a:r>
+              <a:rPr lang="en-US" dirty="0" smtClean="0">
+                <a:solidFill>
+                  <a:schemeClr val="bg1">
+                    <a:lumMod val="75000"/>
+                  </a:schemeClr>
+                </a:solidFill>
+                <a:latin typeface="Arial Rounded MT Bold"/>
+                <a:cs typeface="Arial Rounded MT Bold"/>
+              </a:rPr>
+              <a:t>2B</a:t>
             </a:r>
             <a:endParaRPr lang="en-US" dirty="0">
               <a:solidFill>
@@ -4191,7 +4215,7 @@
         <p:spPr>
           <a:xfrm>
             <a:off x="3394127" y="304800"/>
-            <a:ext cx="2567943" cy="369332"/>
+            <a:ext cx="2397073" cy="369332"/>
           </a:xfrm>
           <a:prstGeom prst="rect">
             <a:avLst/>
@@ -4214,7 +4238,19 @@
                 <a:latin typeface="Arial Rounded MT Bold"/>
                 <a:cs typeface="Arial Rounded MT Bold"/>
               </a:rPr>
-              <a:t>File Viewer – Page 1C</a:t>
+              <a:t>File Viewer – Page </a:t>
+            </a:r>
+            <a:r>
+              <a:rPr lang="en-US" dirty="0">
+                <a:solidFill>
+                  <a:schemeClr val="bg1">
+                    <a:lumMod val="75000"/>
+                  </a:schemeClr>
+                </a:solidFill>
+                <a:latin typeface="Arial Rounded MT Bold"/>
+                <a:cs typeface="Arial Rounded MT Bold"/>
+              </a:rPr>
+              <a:t>3</a:t>
             </a:r>
             <a:endParaRPr lang="en-US" dirty="0">
               <a:solidFill>
@@ -4630,8 +4666,8 @@
         </p:nvSpPr>
         <p:spPr>
           <a:xfrm>
-            <a:off x="3429000" y="304800"/>
-            <a:ext cx="2287806" cy="369332"/>
+            <a:off x="2695369" y="304800"/>
+            <a:ext cx="3629231" cy="369332"/>
           </a:xfrm>
           <a:prstGeom prst="rect">
             <a:avLst/>
@@ -4654,7 +4690,7 @@
                 <a:latin typeface="Arial Rounded MT Bold"/>
                 <a:cs typeface="Arial Rounded MT Bold"/>
               </a:rPr>
-              <a:t>Data View – Page 2</a:t>
+              <a:t>Settings/View Options – Page 4</a:t>
             </a:r>
             <a:endParaRPr lang="en-US" dirty="0">
               <a:solidFill>
@@ -4670,7 +4706,7 @@
       </p:sp>
       <p:pic>
         <p:nvPicPr>
-          <p:cNvPr id="2" name="Picture 1" descr="Screenshot_2013-10-17-17-17-11.png"/>
+          <p:cNvPr id="2" name="Picture 1" descr="Screenshot_2013-10-17-17-16-33.png"/>
           <p:cNvPicPr>
             <a:picLocks noChangeAspect="1"/>
           </p:cNvPicPr>
@@ -4690,8 +4726,8 @@
         </p:blipFill>
         <p:spPr>
           <a:xfrm>
-            <a:off x="457200" y="990600"/>
-            <a:ext cx="3432939" cy="5492702"/>
+            <a:off x="485774" y="762001"/>
+            <a:ext cx="3476626" cy="5562599"/>
           </a:xfrm>
           <a:prstGeom prst="rect">
             <a:avLst/>
@@ -4710,7 +4746,7 @@
       </p:pic>
       <p:pic>
         <p:nvPicPr>
-          <p:cNvPr id="3" name="Picture 2" descr="Screenshot_2013-10-17-17-17-18.png"/>
+          <p:cNvPr id="3" name="Picture 2" descr="Screenshot_2013-10-17-17-17-02.png"/>
           <p:cNvPicPr>
             <a:picLocks noChangeAspect="1"/>
           </p:cNvPicPr>
@@ -4730,8 +4766,8 @@
         </p:blipFill>
         <p:spPr>
           <a:xfrm>
-            <a:off x="5305425" y="1066800"/>
-            <a:ext cx="3381375" cy="5410200"/>
+            <a:off x="5105400" y="762000"/>
+            <a:ext cx="3505200" cy="5608320"/>
           </a:xfrm>
           <a:prstGeom prst="rect">
             <a:avLst/>
@@ -4796,7 +4832,7 @@
     </p:spTree>
     <p:extLst>
       <p:ext uri="{BB962C8B-B14F-4D97-AF65-F5344CB8AC3E}">
-        <p14:creationId xmlns:p14="http://schemas.microsoft.com/office/powerpoint/2010/main" val="1136616096"/>
+        <p14:creationId xmlns:p14="http://schemas.microsoft.com/office/powerpoint/2010/main" val="746605392"/>
       </p:ext>
     </p:extLst>
   </p:cSld>
@@ -4903,7 +4939,19 @@
                 <a:latin typeface="Arial Rounded MT Bold"/>
                 <a:cs typeface="Arial Rounded MT Bold"/>
               </a:rPr>
-              <a:t>Help – Page 3</a:t>
+              <a:t>Help – Page </a:t>
+            </a:r>
+            <a:r>
+              <a:rPr lang="en-US" dirty="0" smtClean="0">
+                <a:solidFill>
+                  <a:schemeClr val="bg1">
+                    <a:lumMod val="75000"/>
+                  </a:schemeClr>
+                </a:solidFill>
+                <a:latin typeface="Arial Rounded MT Bold"/>
+                <a:cs typeface="Arial Rounded MT Bold"/>
+              </a:rPr>
+              <a:t>5</a:t>
             </a:r>
             <a:endParaRPr lang="en-US" dirty="0">
               <a:solidFill>
@@ -5043,8 +5091,8 @@
         </p:nvSpPr>
         <p:spPr>
           <a:xfrm>
-            <a:off x="2695369" y="304800"/>
-            <a:ext cx="3629231" cy="369332"/>
+            <a:off x="3429000" y="304800"/>
+            <a:ext cx="2284362" cy="369332"/>
           </a:xfrm>
           <a:prstGeom prst="rect">
             <a:avLst/>
@@ -5067,7 +5115,7 @@
                 <a:latin typeface="Arial Rounded MT Bold"/>
                 <a:cs typeface="Arial Rounded MT Bold"/>
               </a:rPr>
-              <a:t>Settings/View Options</a:t>
+              <a:t>Data View – Page </a:t>
             </a:r>
             <a:r>
               <a:rPr lang="en-US" dirty="0" smtClean="0">
@@ -5079,31 +5127,7 @@
                 <a:latin typeface="Arial Rounded MT Bold"/>
                 <a:cs typeface="Arial Rounded MT Bold"/>
               </a:rPr>
-              <a:t> </a:t>
-            </a:r>
-            <a:r>
-              <a:rPr lang="en-US" dirty="0" smtClean="0">
-                <a:solidFill>
-                  <a:schemeClr val="bg1">
-                    <a:lumMod val="75000"/>
-                  </a:schemeClr>
-                </a:solidFill>
-                <a:latin typeface="Arial Rounded MT Bold"/>
-                <a:cs typeface="Arial Rounded MT Bold"/>
-              </a:rPr>
-              <a:t>– Page </a:t>
-            </a:r>
-            <a:r>
-              <a:rPr lang="en-US" dirty="0" smtClean="0">
-                <a:solidFill>
-                  <a:schemeClr val="bg1">
-                    <a:lumMod val="75000"/>
-                  </a:schemeClr>
-                </a:solidFill>
-                <a:latin typeface="Arial Rounded MT Bold"/>
-                <a:cs typeface="Arial Rounded MT Bold"/>
-              </a:rPr>
-              <a:t>4</a:t>
+              <a:t>6</a:t>
             </a:r>
             <a:endParaRPr lang="en-US" dirty="0">
               <a:solidFill>
@@ -5119,7 +5143,7 @@
       </p:sp>
       <p:pic>
         <p:nvPicPr>
-          <p:cNvPr id="2" name="Picture 1" descr="Screenshot_2013-10-17-17-16-33.png"/>
+          <p:cNvPr id="2" name="Picture 1" descr="Screenshot_2013-10-17-17-17-11.png"/>
           <p:cNvPicPr>
             <a:picLocks noChangeAspect="1"/>
           </p:cNvPicPr>
@@ -5139,8 +5163,8 @@
         </p:blipFill>
         <p:spPr>
           <a:xfrm>
-            <a:off x="485774" y="762001"/>
-            <a:ext cx="3476626" cy="5562599"/>
+            <a:off x="457200" y="990600"/>
+            <a:ext cx="3432939" cy="5492702"/>
           </a:xfrm>
           <a:prstGeom prst="rect">
             <a:avLst/>
@@ -5159,7 +5183,7 @@
       </p:pic>
       <p:pic>
         <p:nvPicPr>
-          <p:cNvPr id="3" name="Picture 2" descr="Screenshot_2013-10-17-17-17-02.png"/>
+          <p:cNvPr id="3" name="Picture 2" descr="Screenshot_2013-10-17-17-17-18.png"/>
           <p:cNvPicPr>
             <a:picLocks noChangeAspect="1"/>
           </p:cNvPicPr>
@@ -5179,8 +5203,8 @@
         </p:blipFill>
         <p:spPr>
           <a:xfrm>
-            <a:off x="5105400" y="762000"/>
-            <a:ext cx="3505200" cy="5608320"/>
+            <a:off x="5305425" y="1066800"/>
+            <a:ext cx="3381375" cy="5410200"/>
           </a:xfrm>
           <a:prstGeom prst="rect">
             <a:avLst/>
@@ -5245,7 +5269,7 @@
     </p:spTree>
     <p:extLst>
       <p:ext uri="{BB962C8B-B14F-4D97-AF65-F5344CB8AC3E}">
-        <p14:creationId xmlns:p14="http://schemas.microsoft.com/office/powerpoint/2010/main" val="746605392"/>
+        <p14:creationId xmlns:p14="http://schemas.microsoft.com/office/powerpoint/2010/main" val="1136616096"/>
       </p:ext>
     </p:extLst>
   </p:cSld>
